--- a/content/extra/Interest.Rate.Management.Talk.UCLA.pptx
+++ b/content/extra/Interest.Rate.Management.Talk.UCLA.pptx
@@ -7,14 +7,17 @@
   <p:notesMasterIdLst>
     <p:notesMasterId r:id="rId38"/>
   </p:notesMasterIdLst>
+  <p:handoutMasterIdLst>
+    <p:handoutMasterId r:id="rId39"/>
+  </p:handoutMasterIdLst>
   <p:sldIdLst>
     <p:sldId id="256" r:id="rId2"/>
     <p:sldId id="303" r:id="rId3"/>
-    <p:sldId id="302" r:id="rId4"/>
+    <p:sldId id="305" r:id="rId4"/>
     <p:sldId id="258" r:id="rId5"/>
     <p:sldId id="259" r:id="rId6"/>
     <p:sldId id="265" r:id="rId7"/>
-    <p:sldId id="305" r:id="rId8"/>
+    <p:sldId id="302" r:id="rId8"/>
     <p:sldId id="267" r:id="rId9"/>
     <p:sldId id="279" r:id="rId10"/>
     <p:sldId id="278" r:id="rId11"/>
@@ -46,7 +49,7 @@
     <p:sldId id="284" r:id="rId37"/>
   </p:sldIdLst>
   <p:sldSz cx="12192000" cy="6858000"/>
-  <p:notesSz cx="6858000" cy="9144000"/>
+  <p:notesSz cx="9296400" cy="7010400"/>
   <p:defaultTextStyle>
     <a:defPPr>
       <a:defRPr lang="en-US"/>
@@ -150,6 +153,171 @@
 </p:presentation>
 </file>
 
+<file path=ppt/handoutMasters/handoutMaster1.xml><?xml version="1.0" encoding="utf-8"?>
+<p:handoutMaster xmlns:a="http://schemas.openxmlformats.org/drawingml/2006/main" xmlns:r="http://schemas.openxmlformats.org/officeDocument/2006/relationships" xmlns:p="http://schemas.openxmlformats.org/presentationml/2006/main">
+  <p:cSld>
+    <p:bg>
+      <p:bgRef idx="1001">
+        <a:schemeClr val="bg1"/>
+      </p:bgRef>
+    </p:bg>
+    <p:spTree>
+      <p:nvGrpSpPr>
+        <p:cNvPr id="1" name=""/>
+        <p:cNvGrpSpPr/>
+        <p:nvPr/>
+      </p:nvGrpSpPr>
+      <p:grpSpPr>
+        <a:xfrm>
+          <a:off x="0" y="0"/>
+          <a:ext cx="0" cy="0"/>
+          <a:chOff x="0" y="0"/>
+          <a:chExt cx="0" cy="0"/>
+        </a:xfrm>
+      </p:grpSpPr>
+      <p:sp>
+        <p:nvSpPr>
+          <p:cNvPr id="2" name="Header Placeholder 1"/>
+          <p:cNvSpPr>
+            <a:spLocks noGrp="1"/>
+          </p:cNvSpPr>
+          <p:nvPr>
+            <p:ph type="hdr" sz="quarter"/>
+          </p:nvPr>
+        </p:nvSpPr>
+        <p:spPr>
+          <a:xfrm>
+            <a:off x="0" y="1"/>
+            <a:ext cx="4028440" cy="351737"/>
+          </a:xfrm>
+          <a:prstGeom prst="rect">
+            <a:avLst/>
+          </a:prstGeom>
+        </p:spPr>
+        <p:txBody>
+          <a:bodyPr vert="horz" lIns="93177" tIns="46589" rIns="93177" bIns="46589" rtlCol="0"/>
+          <a:lstStyle>
+            <a:lvl1pPr algn="l">
+              <a:defRPr sz="1200"/>
+            </a:lvl1pPr>
+          </a:lstStyle>
+          <a:p>
+            <a:endParaRPr lang="en-US"/>
+          </a:p>
+        </p:txBody>
+      </p:sp>
+      <p:sp>
+        <p:nvSpPr>
+          <p:cNvPr id="3" name="Date Placeholder 2"/>
+          <p:cNvSpPr>
+            <a:spLocks noGrp="1"/>
+          </p:cNvSpPr>
+          <p:nvPr>
+            <p:ph type="dt" sz="quarter" idx="1"/>
+          </p:nvPr>
+        </p:nvSpPr>
+        <p:spPr>
+          <a:xfrm>
+            <a:off x="5265809" y="1"/>
+            <a:ext cx="4028440" cy="351737"/>
+          </a:xfrm>
+          <a:prstGeom prst="rect">
+            <a:avLst/>
+          </a:prstGeom>
+        </p:spPr>
+        <p:txBody>
+          <a:bodyPr vert="horz" lIns="93177" tIns="46589" rIns="93177" bIns="46589" rtlCol="0"/>
+          <a:lstStyle>
+            <a:lvl1pPr algn="r">
+              <a:defRPr sz="1200"/>
+            </a:lvl1pPr>
+          </a:lstStyle>
+          <a:p>
+            <a:fld id="{53BBB16F-7EA3-4CDE-BF36-788B0F16F53E}" type="datetimeFigureOut">
+              <a:rPr lang="en-US" smtClean="0"/>
+              <a:t>3/8/2016</a:t>
+            </a:fld>
+            <a:endParaRPr lang="en-US"/>
+          </a:p>
+        </p:txBody>
+      </p:sp>
+      <p:sp>
+        <p:nvSpPr>
+          <p:cNvPr id="4" name="Footer Placeholder 3"/>
+          <p:cNvSpPr>
+            <a:spLocks noGrp="1"/>
+          </p:cNvSpPr>
+          <p:nvPr>
+            <p:ph type="ftr" sz="quarter" idx="2"/>
+          </p:nvPr>
+        </p:nvSpPr>
+        <p:spPr>
+          <a:xfrm>
+            <a:off x="0" y="6658664"/>
+            <a:ext cx="4028440" cy="351736"/>
+          </a:xfrm>
+          <a:prstGeom prst="rect">
+            <a:avLst/>
+          </a:prstGeom>
+        </p:spPr>
+        <p:txBody>
+          <a:bodyPr vert="horz" lIns="93177" tIns="46589" rIns="93177" bIns="46589" rtlCol="0" anchor="b"/>
+          <a:lstStyle>
+            <a:lvl1pPr algn="l">
+              <a:defRPr sz="1200"/>
+            </a:lvl1pPr>
+          </a:lstStyle>
+          <a:p>
+            <a:endParaRPr lang="en-US"/>
+          </a:p>
+        </p:txBody>
+      </p:sp>
+      <p:sp>
+        <p:nvSpPr>
+          <p:cNvPr id="5" name="Slide Number Placeholder 4"/>
+          <p:cNvSpPr>
+            <a:spLocks noGrp="1"/>
+          </p:cNvSpPr>
+          <p:nvPr>
+            <p:ph type="sldNum" sz="quarter" idx="3"/>
+          </p:nvPr>
+        </p:nvSpPr>
+        <p:spPr>
+          <a:xfrm>
+            <a:off x="5265809" y="6658664"/>
+            <a:ext cx="4028440" cy="351736"/>
+          </a:xfrm>
+          <a:prstGeom prst="rect">
+            <a:avLst/>
+          </a:prstGeom>
+        </p:spPr>
+        <p:txBody>
+          <a:bodyPr vert="horz" lIns="93177" tIns="46589" rIns="93177" bIns="46589" rtlCol="0" anchor="b"/>
+          <a:lstStyle>
+            <a:lvl1pPr algn="r">
+              <a:defRPr sz="1200"/>
+            </a:lvl1pPr>
+          </a:lstStyle>
+          <a:p>
+            <a:fld id="{D5815596-56A3-4BFE-9966-0C7529068F63}" type="slidenum">
+              <a:rPr lang="en-US" smtClean="0"/>
+              <a:t>‹#›</a:t>
+            </a:fld>
+            <a:endParaRPr lang="en-US"/>
+          </a:p>
+        </p:txBody>
+      </p:sp>
+    </p:spTree>
+    <p:extLst>
+      <p:ext uri="{BB962C8B-B14F-4D97-AF65-F5344CB8AC3E}">
+        <p14:creationId xmlns:p14="http://schemas.microsoft.com/office/powerpoint/2010/main" val="1405008187"/>
+      </p:ext>
+    </p:extLst>
+  </p:cSld>
+  <p:clrMap bg1="lt1" tx1="dk1" bg2="lt2" tx2="dk2" accent1="accent1" accent2="accent2" accent3="accent3" accent4="accent4" accent5="accent5" accent6="accent6" hlink="hlink" folHlink="folHlink"/>
+</p:handoutMaster>
+</file>
+
 <file path=ppt/notesMasters/notesMaster1.xml><?xml version="1.0" encoding="utf-8"?>
 <p:notesMaster xmlns:a="http://schemas.openxmlformats.org/drawingml/2006/main" xmlns:r="http://schemas.openxmlformats.org/officeDocument/2006/relationships" xmlns:p="http://schemas.openxmlformats.org/presentationml/2006/main">
   <p:cSld>
@@ -184,15 +352,15 @@
         </p:nvSpPr>
         <p:spPr>
           <a:xfrm>
-            <a:off x="0" y="0"/>
-            <a:ext cx="2971800" cy="458788"/>
+            <a:off x="0" y="1"/>
+            <a:ext cx="4028440" cy="351737"/>
           </a:xfrm>
           <a:prstGeom prst="rect">
             <a:avLst/>
           </a:prstGeom>
         </p:spPr>
         <p:txBody>
-          <a:bodyPr vert="horz" lIns="91440" tIns="45720" rIns="91440" bIns="45720" rtlCol="0"/>
+          <a:bodyPr vert="horz" lIns="93177" tIns="46589" rIns="93177" bIns="46589" rtlCol="0"/>
           <a:lstStyle>
             <a:lvl1pPr algn="l">
               <a:defRPr sz="1200"/>
@@ -215,15 +383,15 @@
         </p:nvSpPr>
         <p:spPr>
           <a:xfrm>
-            <a:off x="3884613" y="0"/>
-            <a:ext cx="2971800" cy="458788"/>
+            <a:off x="5265809" y="1"/>
+            <a:ext cx="4028440" cy="351737"/>
           </a:xfrm>
           <a:prstGeom prst="rect">
             <a:avLst/>
           </a:prstGeom>
         </p:spPr>
         <p:txBody>
-          <a:bodyPr vert="horz" lIns="91440" tIns="45720" rIns="91440" bIns="45720" rtlCol="0"/>
+          <a:bodyPr vert="horz" lIns="93177" tIns="46589" rIns="93177" bIns="46589" rtlCol="0"/>
           <a:lstStyle>
             <a:lvl1pPr algn="r">
               <a:defRPr sz="1200"/>
@@ -250,8 +418,8 @@
         </p:nvSpPr>
         <p:spPr>
           <a:xfrm>
-            <a:off x="685800" y="1143000"/>
-            <a:ext cx="5486400" cy="3086100"/>
+            <a:off x="2546350" y="876300"/>
+            <a:ext cx="4203700" cy="2365375"/>
           </a:xfrm>
           <a:prstGeom prst="rect">
             <a:avLst/>
@@ -264,7 +432,7 @@
           </a:ln>
         </p:spPr>
         <p:txBody>
-          <a:bodyPr vert="horz" lIns="91440" tIns="45720" rIns="91440" bIns="45720" rtlCol="0" anchor="ctr"/>
+          <a:bodyPr vert="horz" lIns="93177" tIns="46589" rIns="93177" bIns="46589" rtlCol="0" anchor="ctr"/>
           <a:lstStyle/>
           <a:p>
             <a:endParaRPr lang="en-US"/>
@@ -283,15 +451,15 @@
         </p:nvSpPr>
         <p:spPr>
           <a:xfrm>
-            <a:off x="685800" y="4400550"/>
-            <a:ext cx="5486400" cy="3600450"/>
+            <a:off x="929640" y="3373754"/>
+            <a:ext cx="7437120" cy="2760346"/>
           </a:xfrm>
           <a:prstGeom prst="rect">
             <a:avLst/>
           </a:prstGeom>
         </p:spPr>
         <p:txBody>
-          <a:bodyPr vert="horz" lIns="91440" tIns="45720" rIns="91440" bIns="45720" rtlCol="0"/>
+          <a:bodyPr vert="horz" lIns="93177" tIns="46589" rIns="93177" bIns="46589" rtlCol="0"/>
           <a:lstStyle/>
           <a:p>
             <a:pPr lvl="0"/>
@@ -343,15 +511,15 @@
         </p:nvSpPr>
         <p:spPr>
           <a:xfrm>
-            <a:off x="0" y="8685213"/>
-            <a:ext cx="2971800" cy="458787"/>
+            <a:off x="0" y="6658664"/>
+            <a:ext cx="4028440" cy="351736"/>
           </a:xfrm>
           <a:prstGeom prst="rect">
             <a:avLst/>
           </a:prstGeom>
         </p:spPr>
         <p:txBody>
-          <a:bodyPr vert="horz" lIns="91440" tIns="45720" rIns="91440" bIns="45720" rtlCol="0" anchor="b"/>
+          <a:bodyPr vert="horz" lIns="93177" tIns="46589" rIns="93177" bIns="46589" rtlCol="0" anchor="b"/>
           <a:lstStyle>
             <a:lvl1pPr algn="l">
               <a:defRPr sz="1200"/>
@@ -374,15 +542,15 @@
         </p:nvSpPr>
         <p:spPr>
           <a:xfrm>
-            <a:off x="3884613" y="8685213"/>
-            <a:ext cx="2971800" cy="458787"/>
+            <a:off x="5265809" y="6658664"/>
+            <a:ext cx="4028440" cy="351736"/>
           </a:xfrm>
           <a:prstGeom prst="rect">
             <a:avLst/>
           </a:prstGeom>
         </p:spPr>
         <p:txBody>
-          <a:bodyPr vert="horz" lIns="91440" tIns="45720" rIns="91440" bIns="45720" rtlCol="0" anchor="b"/>
+          <a:bodyPr vert="horz" lIns="93177" tIns="46589" rIns="93177" bIns="46589" rtlCol="0" anchor="b"/>
           <a:lstStyle>
             <a:lvl1pPr algn="r">
               <a:defRPr sz="1200"/>
@@ -544,7 +712,7 @@
           <a:bodyPr/>
           <a:lstStyle/>
           <a:p>
-            <a:pPr marL="171450" indent="-171450">
+            <a:pPr marL="174708" indent="-174708">
               <a:buFont typeface="Arial" panose="020B0604020202020204" pitchFamily="34" charset="0"/>
               <a:buChar char="•"/>
             </a:pPr>
@@ -554,7 +722,7 @@
             </a:r>
           </a:p>
           <a:p>
-            <a:pPr marL="171450" indent="-171450">
+            <a:pPr marL="174708" indent="-174708">
               <a:buFont typeface="Arial" panose="020B0604020202020204" pitchFamily="34" charset="0"/>
               <a:buChar char="•"/>
             </a:pPr>
@@ -646,7 +814,7 @@
           <a:bodyPr/>
           <a:lstStyle/>
           <a:p>
-            <a:pPr marL="171450" indent="-171450">
+            <a:pPr marL="174708" indent="-174708">
               <a:buFont typeface="Arial" panose="020B0604020202020204" pitchFamily="34" charset="0"/>
               <a:buChar char="•"/>
             </a:pPr>
@@ -664,21 +832,9 @@
             </a:r>
           </a:p>
           <a:p>
-            <a:pPr marL="171450" marR="0" indent="-171450" algn="l" defTabSz="914400" rtl="0" eaLnBrk="1" fontAlgn="auto" latinLnBrk="0" hangingPunct="1">
-              <a:lnSpc>
-                <a:spcPct val="100000"/>
-              </a:lnSpc>
-              <a:spcBef>
-                <a:spcPts val="0"/>
-              </a:spcBef>
-              <a:spcAft>
-                <a:spcPts val="0"/>
-              </a:spcAft>
-              <a:buClrTx/>
-              <a:buSzTx/>
+            <a:pPr marL="174708" indent="-174708" defTabSz="931774">
               <a:buFont typeface="Arial" panose="020B0604020202020204" pitchFamily="34" charset="0"/>
               <a:buChar char="•"/>
-              <a:tabLst/>
               <a:defRPr/>
             </a:pPr>
             <a:r>
@@ -695,14 +851,14 @@
             </a:r>
           </a:p>
           <a:p>
-            <a:pPr marL="171450" indent="-171450">
+            <a:pPr marL="174708" indent="-174708">
               <a:buFont typeface="Arial" panose="020B0604020202020204" pitchFamily="34" charset="0"/>
               <a:buChar char="•"/>
             </a:pPr>
             <a:endParaRPr lang="en-US" dirty="0" smtClean="0"/>
           </a:p>
           <a:p>
-            <a:pPr marL="171450" indent="-171450">
+            <a:pPr marL="174708" indent="-174708">
               <a:buFont typeface="Arial" panose="020B0604020202020204" pitchFamily="34" charset="0"/>
               <a:buChar char="•"/>
             </a:pPr>
@@ -21612,16 +21768,57 @@
           <a:p>
             <a:r>
               <a:rPr lang="en-US" dirty="0" smtClean="0"/>
-              <a:t>Financial Engineer, </a:t>
-            </a:r>
-            <a:r>
-              <a:rPr lang="en-US" dirty="0" err="1" smtClean="0"/>
-              <a:t>Numerix</a:t>
+              <a:t>Financial </a:t>
+            </a:r>
+            <a:r>
+              <a:rPr lang="en-US" dirty="0" smtClean="0"/>
+              <a:t>Engineer</a:t>
             </a:r>
             <a:endParaRPr lang="en-US" dirty="0"/>
           </a:p>
         </p:txBody>
       </p:sp>
+      <p:pic>
+        <p:nvPicPr>
+          <p:cNvPr id="4" name="Picture 2" descr="Numerix Logo"/>
+          <p:cNvPicPr>
+            <a:picLocks noChangeAspect="1" noChangeArrowheads="1"/>
+          </p:cNvPicPr>
+          <p:nvPr/>
+        </p:nvPicPr>
+        <p:blipFill>
+          <a:blip r:embed="rId2">
+            <a:extLst>
+              <a:ext uri="{28A0092B-C50C-407E-A947-70E740481C1C}">
+                <a14:useLocalDpi xmlns:a14="http://schemas.microsoft.com/office/drawing/2010/main" val="0"/>
+              </a:ext>
+            </a:extLst>
+          </a:blip>
+          <a:srcRect/>
+          <a:stretch>
+            <a:fillRect/>
+          </a:stretch>
+        </p:blipFill>
+        <p:spPr bwMode="auto">
+          <a:xfrm>
+            <a:off x="8506327" y="6073464"/>
+            <a:ext cx="1805238" cy="539006"/>
+          </a:xfrm>
+          <a:prstGeom prst="rect">
+            <a:avLst/>
+          </a:prstGeom>
+          <a:noFill/>
+          <a:extLst>
+            <a:ext uri="{909E8E84-426E-40DD-AFC4-6F175D3DCCD1}">
+              <a14:hiddenFill xmlns:a14="http://schemas.microsoft.com/office/drawing/2010/main">
+                <a:solidFill>
+                  <a:srgbClr val="FFFFFF"/>
+                </a:solidFill>
+              </a14:hiddenFill>
+            </a:ext>
+          </a:extLst>
+        </p:spPr>
+      </p:pic>
     </p:spTree>
     <p:extLst>
       <p:ext uri="{BB962C8B-B14F-4D97-AF65-F5344CB8AC3E}">
@@ -22358,8 +22555,8 @@
         </p:blipFill>
         <p:spPr>
           <a:xfrm>
-            <a:off x="6614903" y="3092521"/>
-            <a:ext cx="4930679" cy="1629402"/>
+            <a:off x="5650787" y="2286000"/>
+            <a:ext cx="6012020" cy="1986744"/>
           </a:xfrm>
           <a:prstGeom prst="rect">
             <a:avLst/>
@@ -24701,7 +24898,7 @@
                     <a:p>
                       <a:pPr algn="l" fontAlgn="b"/>
                       <a:r>
-                        <a:rPr lang="en-US" sz="1100" b="1" i="0" u="none" strike="noStrike">
+                        <a:rPr lang="en-US" sz="1100" b="1" i="0" u="none" strike="noStrike" dirty="0">
                           <a:solidFill>
                             <a:srgbClr val="000000"/>
                           </a:solidFill>
@@ -26832,7 +27029,7 @@
                     <a:p>
                       <a:pPr algn="r" fontAlgn="b"/>
                       <a:r>
-                        <a:rPr lang="en-US" sz="1100" b="0" i="0" u="none" strike="noStrike">
+                        <a:rPr lang="en-US" sz="1100" b="0" i="0" u="none" strike="noStrike" dirty="0">
                           <a:solidFill>
                             <a:srgbClr val="000000"/>
                           </a:solidFill>
@@ -28422,8 +28619,8 @@
           </a:p>
         </p:txBody>
       </p:sp>
-      <mc:AlternateContent xmlns:mc="http://schemas.openxmlformats.org/markup-compatibility/2006" xmlns:a14="http://schemas.microsoft.com/office/drawing/2010/main">
-        <mc:Choice Requires="a14">
+      <mc:AlternateContent xmlns:mc="http://schemas.openxmlformats.org/markup-compatibility/2006">
+        <mc:Choice xmlns:a14="http://schemas.microsoft.com/office/drawing/2010/main" Requires="a14">
           <p:sp>
             <p:nvSpPr>
               <p:cNvPr id="3" name="Content Placeholder 2"/>
@@ -28436,7 +28633,7 @@
             </p:nvSpPr>
             <p:spPr>
               <a:xfrm>
-                <a:off x="1024127" y="2084832"/>
+                <a:off x="1024127" y="1844200"/>
                 <a:ext cx="9720073" cy="2507046"/>
               </a:xfrm>
             </p:spPr>
@@ -28738,7 +28935,7 @@
             </p:txBody>
           </p:sp>
         </mc:Choice>
-        <mc:Fallback xmlns="">
+        <mc:Fallback>
           <p:sp>
             <p:nvSpPr>
               <p:cNvPr id="3" name="Content Placeholder 2"/>
@@ -28751,7 +28948,7 @@
             </p:nvSpPr>
             <p:spPr>
               <a:xfrm>
-                <a:off x="1024127" y="2084832"/>
+                <a:off x="1024127" y="1844200"/>
                 <a:ext cx="9720073" cy="2507046"/>
               </a:xfrm>
               <a:blipFill rotWithShape="0">
@@ -28784,7 +28981,7 @@
         </p:nvSpPr>
         <p:spPr>
           <a:xfrm>
-            <a:off x="1024127" y="4740967"/>
+            <a:off x="1024127" y="4351246"/>
             <a:ext cx="10346634" cy="2031325"/>
           </a:xfrm>
           <a:prstGeom prst="rect">
@@ -28839,6 +29036,53 @@
               <a:t>Hedge: Sell 104 futures contract</a:t>
             </a:r>
             <a:endParaRPr lang="en-US" dirty="0"/>
+          </a:p>
+        </p:txBody>
+      </p:sp>
+      <p:sp>
+        <p:nvSpPr>
+          <p:cNvPr id="5" name="Rectangle 4"/>
+          <p:cNvSpPr/>
+          <p:nvPr/>
+        </p:nvSpPr>
+        <p:spPr>
+          <a:xfrm>
+            <a:off x="1024127" y="6382571"/>
+            <a:ext cx="10812378" cy="261610"/>
+          </a:xfrm>
+          <a:prstGeom prst="rect">
+            <a:avLst/>
+          </a:prstGeom>
+        </p:spPr>
+        <p:txBody>
+          <a:bodyPr wrap="square">
+            <a:spAutoFit/>
+          </a:bodyPr>
+          <a:lstStyle/>
+          <a:p>
+            <a:r>
+              <a:rPr lang="en-US" sz="1100" dirty="0" smtClean="0"/>
+              <a:t>Source and recommended reading: </a:t>
+            </a:r>
+            <a:r>
+              <a:rPr lang="en-US" sz="1100" dirty="0" smtClean="0">
+                <a:hlinkClick r:id="rId3"/>
+              </a:rPr>
+              <a:t>https</a:t>
+            </a:r>
+            <a:r>
+              <a:rPr lang="en-US" sz="1100" dirty="0">
+                <a:hlinkClick r:id="rId3"/>
+              </a:rPr>
+              <a:t>://</a:t>
+            </a:r>
+            <a:r>
+              <a:rPr lang="en-US" sz="1100" dirty="0" smtClean="0">
+                <a:hlinkClick r:id="rId3"/>
+              </a:rPr>
+              <a:t>www.cmegroup.com/education/files/understanding-treasury-futures.pdf</a:t>
+            </a:r>
+            <a:endParaRPr lang="en-US" sz="1100" dirty="0"/>
           </a:p>
         </p:txBody>
       </p:sp>
@@ -29609,7 +29853,7 @@
         </p:blipFill>
         <p:spPr bwMode="auto">
           <a:xfrm>
-            <a:off x="3945521" y="604295"/>
+            <a:off x="3712910" y="508043"/>
             <a:ext cx="4876800" cy="5689600"/>
           </a:xfrm>
           <a:prstGeom prst="rect">
@@ -31472,7 +31716,7 @@
       </p:grpSpPr>
       <p:pic>
         <p:nvPicPr>
-          <p:cNvPr id="1026" name="Picture 2" descr="http://www.glasbergen.com/wp-content/gallery/cartoons/toon-3003.gif"/>
+          <p:cNvPr id="3074" name="Picture 2" descr="https://grrrgraphics.files.wordpress.com/2015/09/janet_yellen_wolf.jpg"/>
           <p:cNvPicPr>
             <a:picLocks noChangeAspect="1" noChangeArrowheads="1"/>
           </p:cNvPicPr>
@@ -31493,8 +31737,8 @@
         </p:blipFill>
         <p:spPr bwMode="auto">
           <a:xfrm>
-            <a:off x="3500659" y="0"/>
-            <a:ext cx="5667375" cy="6172200"/>
+            <a:off x="1185722" y="0"/>
+            <a:ext cx="10001250" cy="6610351"/>
           </a:xfrm>
           <a:prstGeom prst="rect">
             <a:avLst/>
@@ -31514,7 +31758,7 @@
     </p:spTree>
     <p:extLst>
       <p:ext uri="{BB962C8B-B14F-4D97-AF65-F5344CB8AC3E}">
-        <p14:creationId xmlns:p14="http://schemas.microsoft.com/office/powerpoint/2010/main" val="1703513750"/>
+        <p14:creationId xmlns:p14="http://schemas.microsoft.com/office/powerpoint/2010/main" val="2690391189"/>
       </p:ext>
     </p:extLst>
   </p:cSld>
@@ -32144,6 +32388,143 @@
           </a:p>
         </p:txBody>
       </p:sp>
+      <p:pic>
+        <p:nvPicPr>
+          <p:cNvPr id="1026" name="Picture 2" descr="Numerix Logo"/>
+          <p:cNvPicPr>
+            <a:picLocks noChangeAspect="1" noChangeArrowheads="1"/>
+          </p:cNvPicPr>
+          <p:nvPr/>
+        </p:nvPicPr>
+        <p:blipFill>
+          <a:blip r:embed="rId2">
+            <a:extLst>
+              <a:ext uri="{28A0092B-C50C-407E-A947-70E740481C1C}">
+                <a14:useLocalDpi xmlns:a14="http://schemas.microsoft.com/office/drawing/2010/main" val="0"/>
+              </a:ext>
+            </a:extLst>
+          </a:blip>
+          <a:srcRect/>
+          <a:stretch>
+            <a:fillRect/>
+          </a:stretch>
+        </p:blipFill>
+        <p:spPr bwMode="auto">
+          <a:xfrm>
+            <a:off x="1024128" y="4539665"/>
+            <a:ext cx="2009775" cy="600076"/>
+          </a:xfrm>
+          <a:prstGeom prst="rect">
+            <a:avLst/>
+          </a:prstGeom>
+          <a:noFill/>
+          <a:extLst>
+            <a:ext uri="{909E8E84-426E-40DD-AFC4-6F175D3DCCD1}">
+              <a14:hiddenFill xmlns:a14="http://schemas.microsoft.com/office/drawing/2010/main">
+                <a:solidFill>
+                  <a:srgbClr val="FFFFFF"/>
+                </a:solidFill>
+              </a14:hiddenFill>
+            </a:ext>
+          </a:extLst>
+        </p:spPr>
+      </p:pic>
+      <p:pic>
+        <p:nvPicPr>
+          <p:cNvPr id="5" name="Picture 4"/>
+          <p:cNvPicPr>
+            <a:picLocks noChangeAspect="1"/>
+          </p:cNvPicPr>
+          <p:nvPr/>
+        </p:nvPicPr>
+        <p:blipFill>
+          <a:blip r:embed="rId3"/>
+          <a:stretch>
+            <a:fillRect/>
+          </a:stretch>
+        </p:blipFill>
+        <p:spPr>
+          <a:xfrm>
+            <a:off x="5103114" y="4645444"/>
+            <a:ext cx="1905000" cy="504825"/>
+          </a:xfrm>
+          <a:prstGeom prst="rect">
+            <a:avLst/>
+          </a:prstGeom>
+        </p:spPr>
+      </p:pic>
+      <p:pic>
+        <p:nvPicPr>
+          <p:cNvPr id="6" name="Picture 5"/>
+          <p:cNvPicPr>
+            <a:picLocks noChangeAspect="1"/>
+          </p:cNvPicPr>
+          <p:nvPr/>
+        </p:nvPicPr>
+        <p:blipFill>
+          <a:blip r:embed="rId4"/>
+          <a:stretch>
+            <a:fillRect/>
+          </a:stretch>
+        </p:blipFill>
+        <p:spPr>
+          <a:xfrm>
+            <a:off x="9077325" y="4696828"/>
+            <a:ext cx="1666875" cy="381000"/>
+          </a:xfrm>
+          <a:prstGeom prst="rect">
+            <a:avLst/>
+          </a:prstGeom>
+        </p:spPr>
+      </p:pic>
+      <p:pic>
+        <p:nvPicPr>
+          <p:cNvPr id="7" name="Picture 6"/>
+          <p:cNvPicPr>
+            <a:picLocks noChangeAspect="1"/>
+          </p:cNvPicPr>
+          <p:nvPr/>
+        </p:nvPicPr>
+        <p:blipFill>
+          <a:blip r:embed="rId5"/>
+          <a:stretch>
+            <a:fillRect/>
+          </a:stretch>
+        </p:blipFill>
+        <p:spPr>
+          <a:xfrm>
+            <a:off x="2793273" y="5637547"/>
+            <a:ext cx="2447925" cy="523875"/>
+          </a:xfrm>
+          <a:prstGeom prst="rect">
+            <a:avLst/>
+          </a:prstGeom>
+        </p:spPr>
+      </p:pic>
+      <p:pic>
+        <p:nvPicPr>
+          <p:cNvPr id="8" name="Picture 7"/>
+          <p:cNvPicPr>
+            <a:picLocks noChangeAspect="1"/>
+          </p:cNvPicPr>
+          <p:nvPr/>
+        </p:nvPicPr>
+        <p:blipFill>
+          <a:blip r:embed="rId6"/>
+          <a:stretch>
+            <a:fillRect/>
+          </a:stretch>
+        </p:blipFill>
+        <p:spPr>
+          <a:xfrm>
+            <a:off x="7245266" y="5637547"/>
+            <a:ext cx="1952625" cy="504825"/>
+          </a:xfrm>
+          <a:prstGeom prst="rect">
+            <a:avLst/>
+          </a:prstGeom>
+        </p:spPr>
+      </p:pic>
     </p:spTree>
     <p:extLst>
       <p:ext uri="{BB962C8B-B14F-4D97-AF65-F5344CB8AC3E}">
@@ -32214,7 +32595,12 @@
             <p:ph idx="1"/>
           </p:nvPr>
         </p:nvSpPr>
-        <p:spPr/>
+        <p:spPr>
+          <a:xfrm>
+            <a:off x="1024128" y="2286000"/>
+            <a:ext cx="5248335" cy="4023360"/>
+          </a:xfrm>
+        </p:spPr>
         <p:txBody>
           <a:bodyPr>
             <a:normAutofit lnSpcReduction="10000"/>
@@ -32456,7 +32842,7 @@
           <a:p>
             <a:r>
               <a:rPr lang="en-US" dirty="0" smtClean="0"/>
-              <a:t>Questions</a:t>
+              <a:t>Thank You</a:t>
             </a:r>
             <a:endParaRPr lang="en-US" dirty="0"/>
           </a:p>
@@ -33576,7 +33962,7 @@
       </p:grpSpPr>
       <p:pic>
         <p:nvPicPr>
-          <p:cNvPr id="3074" name="Picture 2" descr="https://grrrgraphics.files.wordpress.com/2015/09/janet_yellen_wolf.jpg"/>
+          <p:cNvPr id="1026" name="Picture 2" descr="http://www.glasbergen.com/wp-content/gallery/cartoons/toon-3003.gif"/>
           <p:cNvPicPr>
             <a:picLocks noChangeAspect="1" noChangeArrowheads="1"/>
           </p:cNvPicPr>
@@ -33597,8 +33983,8 @@
         </p:blipFill>
         <p:spPr bwMode="auto">
           <a:xfrm>
-            <a:off x="1185722" y="0"/>
-            <a:ext cx="10001250" cy="6610351"/>
+            <a:off x="3500659" y="0"/>
+            <a:ext cx="5667375" cy="6172200"/>
           </a:xfrm>
           <a:prstGeom prst="rect">
             <a:avLst/>
@@ -33618,7 +34004,7 @@
     </p:spTree>
     <p:extLst>
       <p:ext uri="{BB962C8B-B14F-4D97-AF65-F5344CB8AC3E}">
-        <p14:creationId xmlns:p14="http://schemas.microsoft.com/office/powerpoint/2010/main" val="2690391189"/>
+        <p14:creationId xmlns:p14="http://schemas.microsoft.com/office/powerpoint/2010/main" val="1703513750"/>
       </p:ext>
     </p:extLst>
   </p:cSld>
@@ -34699,4 +35085,265 @@
     </a:ext>
   </a:extLst>
 </a:theme>
+</file>
+
+<file path=ppt/theme/theme3.xml><?xml version="1.0" encoding="utf-8"?>
+<a:theme xmlns:a="http://schemas.openxmlformats.org/drawingml/2006/main" name="Office Theme">
+  <a:themeElements>
+    <a:clrScheme name="Office">
+      <a:dk1>
+        <a:sysClr val="windowText" lastClr="000000"/>
+      </a:dk1>
+      <a:lt1>
+        <a:sysClr val="window" lastClr="FFFFFF"/>
+      </a:lt1>
+      <a:dk2>
+        <a:srgbClr val="44546A"/>
+      </a:dk2>
+      <a:lt2>
+        <a:srgbClr val="E7E6E6"/>
+      </a:lt2>
+      <a:accent1>
+        <a:srgbClr val="5B9BD5"/>
+      </a:accent1>
+      <a:accent2>
+        <a:srgbClr val="ED7D31"/>
+      </a:accent2>
+      <a:accent3>
+        <a:srgbClr val="A5A5A5"/>
+      </a:accent3>
+      <a:accent4>
+        <a:srgbClr val="FFC000"/>
+      </a:accent4>
+      <a:accent5>
+        <a:srgbClr val="4472C4"/>
+      </a:accent5>
+      <a:accent6>
+        <a:srgbClr val="70AD47"/>
+      </a:accent6>
+      <a:hlink>
+        <a:srgbClr val="0563C1"/>
+      </a:hlink>
+      <a:folHlink>
+        <a:srgbClr val="954F72"/>
+      </a:folHlink>
+    </a:clrScheme>
+    <a:fontScheme name="Office">
+      <a:majorFont>
+        <a:latin typeface="Calibri Light" panose="020F0302020204030204"/>
+        <a:ea typeface=""/>
+        <a:cs typeface=""/>
+        <a:font script="Jpan" typeface="ＭＳ Ｐゴシック"/>
+        <a:font script="Hang" typeface="맑은 고딕"/>
+        <a:font script="Hans" typeface="宋体"/>
+        <a:font script="Hant" typeface="新細明體"/>
+        <a:font script="Arab" typeface="Times New Roman"/>
+        <a:font script="Hebr" typeface="Times New Roman"/>
+        <a:font script="Thai" typeface="Angsana New"/>
+        <a:font script="Ethi" typeface="Nyala"/>
+        <a:font script="Beng" typeface="Vrinda"/>
+        <a:font script="Gujr" typeface="Shruti"/>
+        <a:font script="Khmr" typeface="MoolBoran"/>
+        <a:font script="Knda" typeface="Tunga"/>
+        <a:font script="Guru" typeface="Raavi"/>
+        <a:font script="Cans" typeface="Euphemia"/>
+        <a:font script="Cher" typeface="Plantagenet Cherokee"/>
+        <a:font script="Yiii" typeface="Microsoft Yi Baiti"/>
+        <a:font script="Tibt" typeface="Microsoft Himalaya"/>
+        <a:font script="Thaa" typeface="MV Boli"/>
+        <a:font script="Deva" typeface="Mangal"/>
+        <a:font script="Telu" typeface="Gautami"/>
+        <a:font script="Taml" typeface="Latha"/>
+        <a:font script="Syrc" typeface="Estrangelo Edessa"/>
+        <a:font script="Orya" typeface="Kalinga"/>
+        <a:font script="Mlym" typeface="Kartika"/>
+        <a:font script="Laoo" typeface="DokChampa"/>
+        <a:font script="Sinh" typeface="Iskoola Pota"/>
+        <a:font script="Mong" typeface="Mongolian Baiti"/>
+        <a:font script="Viet" typeface="Times New Roman"/>
+        <a:font script="Uigh" typeface="Microsoft Uighur"/>
+        <a:font script="Geor" typeface="Sylfaen"/>
+      </a:majorFont>
+      <a:minorFont>
+        <a:latin typeface="Calibri" panose="020F0502020204030204"/>
+        <a:ea typeface=""/>
+        <a:cs typeface=""/>
+        <a:font script="Jpan" typeface="ＭＳ Ｐゴシック"/>
+        <a:font script="Hang" typeface="맑은 고딕"/>
+        <a:font script="Hans" typeface="宋体"/>
+        <a:font script="Hant" typeface="新細明體"/>
+        <a:font script="Arab" typeface="Arial"/>
+        <a:font script="Hebr" typeface="Arial"/>
+        <a:font script="Thai" typeface="Cordia New"/>
+        <a:font script="Ethi" typeface="Nyala"/>
+        <a:font script="Beng" typeface="Vrinda"/>
+        <a:font script="Gujr" typeface="Shruti"/>
+        <a:font script="Khmr" typeface="DaunPenh"/>
+        <a:font script="Knda" typeface="Tunga"/>
+        <a:font script="Guru" typeface="Raavi"/>
+        <a:font script="Cans" typeface="Euphemia"/>
+        <a:font script="Cher" typeface="Plantagenet Cherokee"/>
+        <a:font script="Yiii" typeface="Microsoft Yi Baiti"/>
+        <a:font script="Tibt" typeface="Microsoft Himalaya"/>
+        <a:font script="Thaa" typeface="MV Boli"/>
+        <a:font script="Deva" typeface="Mangal"/>
+        <a:font script="Telu" typeface="Gautami"/>
+        <a:font script="Taml" typeface="Latha"/>
+        <a:font script="Syrc" typeface="Estrangelo Edessa"/>
+        <a:font script="Orya" typeface="Kalinga"/>
+        <a:font script="Mlym" typeface="Kartika"/>
+        <a:font script="Laoo" typeface="DokChampa"/>
+        <a:font script="Sinh" typeface="Iskoola Pota"/>
+        <a:font script="Mong" typeface="Mongolian Baiti"/>
+        <a:font script="Viet" typeface="Arial"/>
+        <a:font script="Uigh" typeface="Microsoft Uighur"/>
+        <a:font script="Geor" typeface="Sylfaen"/>
+      </a:minorFont>
+    </a:fontScheme>
+    <a:fmtScheme name="Office">
+      <a:fillStyleLst>
+        <a:solidFill>
+          <a:schemeClr val="phClr"/>
+        </a:solidFill>
+        <a:gradFill rotWithShape="1">
+          <a:gsLst>
+            <a:gs pos="0">
+              <a:schemeClr val="phClr">
+                <a:lumMod val="110000"/>
+                <a:satMod val="105000"/>
+                <a:tint val="67000"/>
+              </a:schemeClr>
+            </a:gs>
+            <a:gs pos="50000">
+              <a:schemeClr val="phClr">
+                <a:lumMod val="105000"/>
+                <a:satMod val="103000"/>
+                <a:tint val="73000"/>
+              </a:schemeClr>
+            </a:gs>
+            <a:gs pos="100000">
+              <a:schemeClr val="phClr">
+                <a:lumMod val="105000"/>
+                <a:satMod val="109000"/>
+                <a:tint val="81000"/>
+              </a:schemeClr>
+            </a:gs>
+          </a:gsLst>
+          <a:lin ang="5400000" scaled="0"/>
+        </a:gradFill>
+        <a:gradFill rotWithShape="1">
+          <a:gsLst>
+            <a:gs pos="0">
+              <a:schemeClr val="phClr">
+                <a:satMod val="103000"/>
+                <a:lumMod val="102000"/>
+                <a:tint val="94000"/>
+              </a:schemeClr>
+            </a:gs>
+            <a:gs pos="50000">
+              <a:schemeClr val="phClr">
+                <a:satMod val="110000"/>
+                <a:lumMod val="100000"/>
+                <a:shade val="100000"/>
+              </a:schemeClr>
+            </a:gs>
+            <a:gs pos="100000">
+              <a:schemeClr val="phClr">
+                <a:lumMod val="99000"/>
+                <a:satMod val="120000"/>
+                <a:shade val="78000"/>
+              </a:schemeClr>
+            </a:gs>
+          </a:gsLst>
+          <a:lin ang="5400000" scaled="0"/>
+        </a:gradFill>
+      </a:fillStyleLst>
+      <a:lnStyleLst>
+        <a:ln w="6350" cap="flat" cmpd="sng" algn="ctr">
+          <a:solidFill>
+            <a:schemeClr val="phClr"/>
+          </a:solidFill>
+          <a:prstDash val="solid"/>
+          <a:miter lim="800000"/>
+        </a:ln>
+        <a:ln w="12700" cap="flat" cmpd="sng" algn="ctr">
+          <a:solidFill>
+            <a:schemeClr val="phClr"/>
+          </a:solidFill>
+          <a:prstDash val="solid"/>
+          <a:miter lim="800000"/>
+        </a:ln>
+        <a:ln w="19050" cap="flat" cmpd="sng" algn="ctr">
+          <a:solidFill>
+            <a:schemeClr val="phClr"/>
+          </a:solidFill>
+          <a:prstDash val="solid"/>
+          <a:miter lim="800000"/>
+        </a:ln>
+      </a:lnStyleLst>
+      <a:effectStyleLst>
+        <a:effectStyle>
+          <a:effectLst/>
+        </a:effectStyle>
+        <a:effectStyle>
+          <a:effectLst/>
+        </a:effectStyle>
+        <a:effectStyle>
+          <a:effectLst>
+            <a:outerShdw blurRad="57150" dist="19050" dir="5400000" algn="ctr" rotWithShape="0">
+              <a:srgbClr val="000000">
+                <a:alpha val="63000"/>
+              </a:srgbClr>
+            </a:outerShdw>
+          </a:effectLst>
+        </a:effectStyle>
+      </a:effectStyleLst>
+      <a:bgFillStyleLst>
+        <a:solidFill>
+          <a:schemeClr val="phClr"/>
+        </a:solidFill>
+        <a:solidFill>
+          <a:schemeClr val="phClr">
+            <a:tint val="95000"/>
+            <a:satMod val="170000"/>
+          </a:schemeClr>
+        </a:solidFill>
+        <a:gradFill rotWithShape="1">
+          <a:gsLst>
+            <a:gs pos="0">
+              <a:schemeClr val="phClr">
+                <a:tint val="93000"/>
+                <a:satMod val="150000"/>
+                <a:shade val="98000"/>
+                <a:lumMod val="102000"/>
+              </a:schemeClr>
+            </a:gs>
+            <a:gs pos="50000">
+              <a:schemeClr val="phClr">
+                <a:tint val="98000"/>
+                <a:satMod val="130000"/>
+                <a:shade val="90000"/>
+                <a:lumMod val="103000"/>
+              </a:schemeClr>
+            </a:gs>
+            <a:gs pos="100000">
+              <a:schemeClr val="phClr">
+                <a:shade val="63000"/>
+                <a:satMod val="120000"/>
+              </a:schemeClr>
+            </a:gs>
+          </a:gsLst>
+          <a:lin ang="5400000" scaled="0"/>
+        </a:gradFill>
+      </a:bgFillStyleLst>
+    </a:fmtScheme>
+  </a:themeElements>
+  <a:objectDefaults/>
+  <a:extraClrSchemeLst/>
+  <a:extLst>
+    <a:ext uri="{05A4C25C-085E-4340-85A3-A5531E510DB2}">
+      <thm15:themeFamily xmlns:thm15="http://schemas.microsoft.com/office/thememl/2012/main" name="Office Theme" id="{62F939B6-93AF-4DB8-9C6B-D6C7DFDC589F}" vid="{4A3C46E8-61CC-4603-A589-7422A47A8E4A}"/>
+    </a:ext>
+  </a:extLst>
+</a:theme>
 </file>